--- a/summaryReportGenerator.pptx
+++ b/summaryReportGenerator.pptx
@@ -268,7 +268,7 @@
           <a:p>
             <a:fld id="{8A8518C0-DC3D-4779-9073-665BA60A6DA9}" type="datetimeFigureOut">
               <a:rPr lang="zh-TW" altLang="en-US" smtClean="0"/>
-              <a:t>2021/8/6</a:t>
+              <a:t>2021/8/17</a:t>
             </a:fld>
             <a:endParaRPr lang="zh-TW" altLang="en-US"/>
           </a:p>
@@ -466,7 +466,7 @@
           <a:p>
             <a:fld id="{8A8518C0-DC3D-4779-9073-665BA60A6DA9}" type="datetimeFigureOut">
               <a:rPr lang="zh-TW" altLang="en-US" smtClean="0"/>
-              <a:t>2021/8/6</a:t>
+              <a:t>2021/8/17</a:t>
             </a:fld>
             <a:endParaRPr lang="zh-TW" altLang="en-US"/>
           </a:p>
@@ -674,7 +674,7 @@
           <a:p>
             <a:fld id="{8A8518C0-DC3D-4779-9073-665BA60A6DA9}" type="datetimeFigureOut">
               <a:rPr lang="zh-TW" altLang="en-US" smtClean="0"/>
-              <a:t>2021/8/6</a:t>
+              <a:t>2021/8/17</a:t>
             </a:fld>
             <a:endParaRPr lang="zh-TW" altLang="en-US"/>
           </a:p>
@@ -872,7 +872,7 @@
           <a:p>
             <a:fld id="{8A8518C0-DC3D-4779-9073-665BA60A6DA9}" type="datetimeFigureOut">
               <a:rPr lang="zh-TW" altLang="en-US" smtClean="0"/>
-              <a:t>2021/8/6</a:t>
+              <a:t>2021/8/17</a:t>
             </a:fld>
             <a:endParaRPr lang="zh-TW" altLang="en-US"/>
           </a:p>
@@ -1147,7 +1147,7 @@
           <a:p>
             <a:fld id="{8A8518C0-DC3D-4779-9073-665BA60A6DA9}" type="datetimeFigureOut">
               <a:rPr lang="zh-TW" altLang="en-US" smtClean="0"/>
-              <a:t>2021/8/6</a:t>
+              <a:t>2021/8/17</a:t>
             </a:fld>
             <a:endParaRPr lang="zh-TW" altLang="en-US"/>
           </a:p>
@@ -1412,7 +1412,7 @@
           <a:p>
             <a:fld id="{8A8518C0-DC3D-4779-9073-665BA60A6DA9}" type="datetimeFigureOut">
               <a:rPr lang="zh-TW" altLang="en-US" smtClean="0"/>
-              <a:t>2021/8/6</a:t>
+              <a:t>2021/8/17</a:t>
             </a:fld>
             <a:endParaRPr lang="zh-TW" altLang="en-US"/>
           </a:p>
@@ -1824,7 +1824,7 @@
           <a:p>
             <a:fld id="{8A8518C0-DC3D-4779-9073-665BA60A6DA9}" type="datetimeFigureOut">
               <a:rPr lang="zh-TW" altLang="en-US" smtClean="0"/>
-              <a:t>2021/8/6</a:t>
+              <a:t>2021/8/17</a:t>
             </a:fld>
             <a:endParaRPr lang="zh-TW" altLang="en-US"/>
           </a:p>
@@ -1965,7 +1965,7 @@
           <a:p>
             <a:fld id="{8A8518C0-DC3D-4779-9073-665BA60A6DA9}" type="datetimeFigureOut">
               <a:rPr lang="zh-TW" altLang="en-US" smtClean="0"/>
-              <a:t>2021/8/6</a:t>
+              <a:t>2021/8/17</a:t>
             </a:fld>
             <a:endParaRPr lang="zh-TW" altLang="en-US"/>
           </a:p>
@@ -2078,7 +2078,7 @@
           <a:p>
             <a:fld id="{8A8518C0-DC3D-4779-9073-665BA60A6DA9}" type="datetimeFigureOut">
               <a:rPr lang="zh-TW" altLang="en-US" smtClean="0"/>
-              <a:t>2021/8/6</a:t>
+              <a:t>2021/8/17</a:t>
             </a:fld>
             <a:endParaRPr lang="zh-TW" altLang="en-US"/>
           </a:p>
@@ -2389,7 +2389,7 @@
           <a:p>
             <a:fld id="{8A8518C0-DC3D-4779-9073-665BA60A6DA9}" type="datetimeFigureOut">
               <a:rPr lang="zh-TW" altLang="en-US" smtClean="0"/>
-              <a:t>2021/8/6</a:t>
+              <a:t>2021/8/17</a:t>
             </a:fld>
             <a:endParaRPr lang="zh-TW" altLang="en-US"/>
           </a:p>
@@ -2677,7 +2677,7 @@
           <a:p>
             <a:fld id="{8A8518C0-DC3D-4779-9073-665BA60A6DA9}" type="datetimeFigureOut">
               <a:rPr lang="zh-TW" altLang="en-US" smtClean="0"/>
-              <a:t>2021/8/6</a:t>
+              <a:t>2021/8/17</a:t>
             </a:fld>
             <a:endParaRPr lang="zh-TW" altLang="en-US"/>
           </a:p>
@@ -2918,7 +2918,7 @@
           <a:p>
             <a:fld id="{8A8518C0-DC3D-4779-9073-665BA60A6DA9}" type="datetimeFigureOut">
               <a:rPr lang="zh-TW" altLang="en-US" smtClean="0"/>
-              <a:t>2021/8/6</a:t>
+              <a:t>2021/8/17</a:t>
             </a:fld>
             <a:endParaRPr lang="zh-TW" altLang="en-US"/>
           </a:p>
@@ -3533,6 +3533,16 @@
               <a:t>/</a:t>
             </a:r>
             <a:r>
+              <a:rPr lang="en-US" altLang="zh-TW" sz="1800">
+                <a:solidFill>
+                  <a:prstClr val="black"/>
+                </a:solidFill>
+                <a:latin typeface="Lucida Console" panose="020B0609040504020204" pitchFamily="49" charset="0"/>
+                <a:hlinkClick r:id="rId2"/>
+              </a:rPr>
+              <a:t>leon.</a:t>
+            </a:r>
+            <a:r>
               <a:rPr lang="en-US" altLang="zh-TW" sz="1800" dirty="0" err="1">
                 <a:solidFill>
                   <a:prstClr val="black"/>
@@ -3540,7 +3550,7 @@
                 <a:latin typeface="Lucida Console" panose="020B0609040504020204" pitchFamily="49" charset="0"/>
                 <a:hlinkClick r:id="rId2"/>
               </a:rPr>
-              <a:t>ReportGenerator.git</a:t>
+              <a:t>git</a:t>
             </a:r>
             <a:r>
               <a:rPr lang="en-US" altLang="zh-TW" dirty="0"/>
